--- a/Apresentação.pptx
+++ b/Apresentação.pptx
@@ -108,6 +108,11 @@
       </a:defRPr>
     </a:lvl9pPr>
   </p:defaultTextStyle>
+  <p:extLst>
+    <p:ext uri="{EFAFB233-063F-42B5-8137-9DF3F51BA10A}">
+      <p15:sldGuideLst xmlns:p15="http://schemas.microsoft.com/office/powerpoint/2012/main"/>
+    </p:ext>
+  </p:extLst>
 </p:presentation>
 </file>
 
@@ -3682,15 +3687,23 @@
           <a:p>
             <a:r>
               <a:rPr lang="pt-PT" dirty="0"/>
-              <a:t>- mete o teu nome </a:t>
+              <a:t>Tiago </a:t>
             </a:r>
             <a:r>
               <a:rPr lang="pt-PT" dirty="0" err="1"/>
-              <a:t>pls</a:t>
+              <a:t>daniel</a:t>
             </a:r>
             <a:r>
               <a:rPr lang="pt-PT" dirty="0"/>
-              <a:t> -</a:t>
+              <a:t> </a:t>
+            </a:r>
+            <a:r>
+              <a:rPr lang="pt-PT" dirty="0" err="1"/>
+              <a:t>martins</a:t>
+            </a:r>
+            <a:r>
+              <a:rPr lang="pt-PT" dirty="0"/>
+              <a:t> dos santos – up202207073</a:t>
             </a:r>
           </a:p>
         </p:txBody>
